--- a/研究ミーティング/20211203/20211203.pptx
+++ b/研究ミーティング/20211203/20211203.pptx
@@ -6775,12 +6775,17 @@
             </a:r>
             <a:r>
               <a:rPr lang="ja-JP" altLang="en-US" dirty="0"/>
-              <a:t>精度に関しては，同じサイズ比でも分割数の方が影響する</a:t>
-            </a:r>
-            <a:r>
-              <a:rPr lang="en-US" altLang="ja-JP" dirty="0"/>
+              <a:t>精度に関しては，同じサイズ比</a:t>
+            </a:r>
+            <a:r>
+              <a:rPr lang="ja-JP" altLang="en-US"/>
+              <a:t>でも分割数で変化する</a:t>
+            </a:r>
+            <a:r>
+              <a:rPr lang="en-US" altLang="ja-JP"/>
               <a:t>(?))</a:t>
             </a:r>
+            <a:endParaRPr lang="en-US" altLang="ja-JP" dirty="0"/>
           </a:p>
         </p:txBody>
       </p:sp>
